--- a/src/lectures/rest-api-authorization/rest-api-authorization.pptx
+++ b/src/lectures/rest-api-authorization/rest-api-authorization.pptx
@@ -221,7 +221,7 @@
           <a:p>
             <a:fld id="{EBEE5AE1-1D5F-483D-90B5-92A2A708F59B}" type="datetimeFigureOut">
               <a:rPr lang="en-US" smtClean="0"/>
-              <a:t>2018-09-19</a:t>
+              <a:t>1/6/2022</a:t>
             </a:fld>
             <a:endParaRPr lang="en-US" dirty="0"/>
           </a:p>
@@ -530,7 +530,7 @@
           <a:p>
             <a:fld id="{428859CC-B640-4DB3-BB6F-301CDED75AAD}" type="datetimeFigureOut">
               <a:rPr lang="sv-SE" smtClean="0"/>
-              <a:t>2018-09-19</a:t>
+              <a:t>2022-01-06</a:t>
             </a:fld>
             <a:endParaRPr lang="sv-SE"/>
           </a:p>
@@ -880,7 +880,7 @@
           <a:p>
             <a:fld id="{428859CC-B640-4DB3-BB6F-301CDED75AAD}" type="datetimeFigureOut">
               <a:rPr lang="sv-SE" smtClean="0"/>
-              <a:t>2018-09-19</a:t>
+              <a:t>2022-01-06</a:t>
             </a:fld>
             <a:endParaRPr lang="sv-SE"/>
           </a:p>
@@ -1130,7 +1130,7 @@
           <a:p>
             <a:fld id="{428859CC-B640-4DB3-BB6F-301CDED75AAD}" type="datetimeFigureOut">
               <a:rPr lang="sv-SE" smtClean="0"/>
-              <a:t>2018-09-19</a:t>
+              <a:t>2022-01-06</a:t>
             </a:fld>
             <a:endParaRPr lang="sv-SE"/>
           </a:p>
@@ -1489,7 +1489,7 @@
           <a:p>
             <a:fld id="{428859CC-B640-4DB3-BB6F-301CDED75AAD}" type="datetimeFigureOut">
               <a:rPr lang="sv-SE" smtClean="0"/>
-              <a:t>2018-09-19</a:t>
+              <a:t>2022-01-06</a:t>
             </a:fld>
             <a:endParaRPr lang="sv-SE"/>
           </a:p>
@@ -1840,7 +1840,7 @@
           <a:p>
             <a:fld id="{428859CC-B640-4DB3-BB6F-301CDED75AAD}" type="datetimeFigureOut">
               <a:rPr lang="sv-SE" smtClean="0"/>
-              <a:t>2018-09-19</a:t>
+              <a:t>2022-01-06</a:t>
             </a:fld>
             <a:endParaRPr lang="sv-SE"/>
           </a:p>
@@ -2272,7 +2272,7 @@
           <a:p>
             <a:fld id="{428859CC-B640-4DB3-BB6F-301CDED75AAD}" type="datetimeFigureOut">
               <a:rPr lang="sv-SE" smtClean="0"/>
-              <a:t>2018-09-19</a:t>
+              <a:t>2022-01-06</a:t>
             </a:fld>
             <a:endParaRPr lang="sv-SE"/>
           </a:p>
@@ -2696,7 +2696,7 @@
           <a:p>
             <a:fld id="{428859CC-B640-4DB3-BB6F-301CDED75AAD}" type="datetimeFigureOut">
               <a:rPr lang="sv-SE" smtClean="0"/>
-              <a:t>2018-09-19</a:t>
+              <a:t>2022-01-06</a:t>
             </a:fld>
             <a:endParaRPr lang="sv-SE"/>
           </a:p>
@@ -3128,7 +3128,7 @@
           <a:p>
             <a:fld id="{428859CC-B640-4DB3-BB6F-301CDED75AAD}" type="datetimeFigureOut">
               <a:rPr lang="sv-SE" smtClean="0"/>
-              <a:t>2018-09-19</a:t>
+              <a:t>2022-01-06</a:t>
             </a:fld>
             <a:endParaRPr lang="sv-SE"/>
           </a:p>
@@ -3457,7 +3457,7 @@
           <a:p>
             <a:fld id="{428859CC-B640-4DB3-BB6F-301CDED75AAD}" type="datetimeFigureOut">
               <a:rPr lang="sv-SE" smtClean="0"/>
-              <a:t>2018-09-19</a:t>
+              <a:t>2022-01-06</a:t>
             </a:fld>
             <a:endParaRPr lang="sv-SE"/>
           </a:p>
@@ -3657,7 +3657,7 @@
           <a:p>
             <a:fld id="{428859CC-B640-4DB3-BB6F-301CDED75AAD}" type="datetimeFigureOut">
               <a:rPr lang="sv-SE" smtClean="0"/>
-              <a:t>2018-09-19</a:t>
+              <a:t>2022-01-06</a:t>
             </a:fld>
             <a:endParaRPr lang="sv-SE"/>
           </a:p>
@@ -3818,7 +3818,7 @@
           <a:p>
             <a:fld id="{428859CC-B640-4DB3-BB6F-301CDED75AAD}" type="datetimeFigureOut">
               <a:rPr lang="sv-SE" smtClean="0"/>
-              <a:t>2018-09-19</a:t>
+              <a:t>2022-01-06</a:t>
             </a:fld>
             <a:endParaRPr lang="sv-SE"/>
           </a:p>
@@ -4089,7 +4089,7 @@
           <a:p>
             <a:fld id="{428859CC-B640-4DB3-BB6F-301CDED75AAD}" type="datetimeFigureOut">
               <a:rPr lang="sv-SE" smtClean="0"/>
-              <a:t>2018-09-19</a:t>
+              <a:t>2022-01-06</a:t>
             </a:fld>
             <a:endParaRPr lang="sv-SE"/>
           </a:p>
@@ -4294,7 +4294,7 @@
           <a:p>
             <a:fld id="{428859CC-B640-4DB3-BB6F-301CDED75AAD}" type="datetimeFigureOut">
               <a:rPr lang="sv-SE" smtClean="0"/>
-              <a:t>2018-09-19</a:t>
+              <a:t>2022-01-06</a:t>
             </a:fld>
             <a:endParaRPr lang="sv-SE"/>
           </a:p>
@@ -4516,7 +4516,7 @@
           <a:p>
             <a:fld id="{428859CC-B640-4DB3-BB6F-301CDED75AAD}" type="datetimeFigureOut">
               <a:rPr lang="sv-SE" smtClean="0"/>
-              <a:t>2018-09-19</a:t>
+              <a:t>2022-01-06</a:t>
             </a:fld>
             <a:endParaRPr lang="sv-SE"/>
           </a:p>
@@ -4750,7 +4750,7 @@
           <a:p>
             <a:fld id="{428859CC-B640-4DB3-BB6F-301CDED75AAD}" type="datetimeFigureOut">
               <a:rPr lang="sv-SE" smtClean="0"/>
-              <a:t>2018-09-19</a:t>
+              <a:t>2022-01-06</a:t>
             </a:fld>
             <a:endParaRPr lang="sv-SE"/>
           </a:p>
@@ -4972,7 +4972,7 @@
           <a:p>
             <a:fld id="{428859CC-B640-4DB3-BB6F-301CDED75AAD}" type="datetimeFigureOut">
               <a:rPr lang="sv-SE" smtClean="0"/>
-              <a:t>2018-09-19</a:t>
+              <a:t>2022-01-06</a:t>
             </a:fld>
             <a:endParaRPr lang="sv-SE"/>
           </a:p>
@@ -5206,7 +5206,7 @@
           <a:p>
             <a:fld id="{428859CC-B640-4DB3-BB6F-301CDED75AAD}" type="datetimeFigureOut">
               <a:rPr lang="sv-SE" smtClean="0"/>
-              <a:t>2018-09-19</a:t>
+              <a:t>2022-01-06</a:t>
             </a:fld>
             <a:endParaRPr lang="sv-SE"/>
           </a:p>
@@ -5620,7 +5620,7 @@
           <a:p>
             <a:fld id="{428859CC-B640-4DB3-BB6F-301CDED75AAD}" type="datetimeFigureOut">
               <a:rPr lang="sv-SE" smtClean="0"/>
-              <a:t>2018-09-19</a:t>
+              <a:t>2022-01-06</a:t>
             </a:fld>
             <a:endParaRPr lang="sv-SE"/>
           </a:p>
@@ -6032,7 +6032,7 @@
           <a:p>
             <a:fld id="{428859CC-B640-4DB3-BB6F-301CDED75AAD}" type="datetimeFigureOut">
               <a:rPr lang="sv-SE" smtClean="0"/>
-              <a:t>2018-09-19</a:t>
+              <a:t>2022-01-06</a:t>
             </a:fld>
             <a:endParaRPr lang="sv-SE"/>
           </a:p>
@@ -6349,7 +6349,7 @@
           <a:p>
             <a:fld id="{428859CC-B640-4DB3-BB6F-301CDED75AAD}" type="datetimeFigureOut">
               <a:rPr lang="sv-SE" smtClean="0"/>
-              <a:t>2018-09-19</a:t>
+              <a:t>2022-01-06</a:t>
             </a:fld>
             <a:endParaRPr lang="sv-SE"/>
           </a:p>
@@ -6664,7 +6664,7 @@
           <a:p>
             <a:fld id="{428859CC-B640-4DB3-BB6F-301CDED75AAD}" type="datetimeFigureOut">
               <a:rPr lang="sv-SE" smtClean="0"/>
-              <a:t>2018-09-19</a:t>
+              <a:t>2022-01-06</a:t>
             </a:fld>
             <a:endParaRPr lang="sv-SE"/>
           </a:p>
@@ -6952,7 +6952,7 @@
           <a:p>
             <a:fld id="{428859CC-B640-4DB3-BB6F-301CDED75AAD}" type="datetimeFigureOut">
               <a:rPr lang="sv-SE" smtClean="0"/>
-              <a:t>2018-09-19</a:t>
+              <a:t>2022-01-06</a:t>
             </a:fld>
             <a:endParaRPr lang="sv-SE"/>
           </a:p>
@@ -7309,7 +7309,7 @@
           <a:p>
             <a:fld id="{428859CC-B640-4DB3-BB6F-301CDED75AAD}" type="datetimeFigureOut">
               <a:rPr lang="sv-SE" smtClean="0"/>
-              <a:t>2018-09-19</a:t>
+              <a:t>2022-01-06</a:t>
             </a:fld>
             <a:endParaRPr lang="sv-SE"/>
           </a:p>
@@ -7591,7 +7591,7 @@
           <a:p>
             <a:fld id="{428859CC-B640-4DB3-BB6F-301CDED75AAD}" type="datetimeFigureOut">
               <a:rPr lang="sv-SE" smtClean="0"/>
-              <a:t>2018-09-19</a:t>
+              <a:t>2022-01-06</a:t>
             </a:fld>
             <a:endParaRPr lang="sv-SE"/>
           </a:p>
@@ -10734,7 +10734,7 @@
           <a:p>
             <a:r>
               <a:rPr lang="en-US" dirty="0"/>
-              <a:t>Proving that no security vulnerabilities exists is hard.</a:t>
+              <a:t>Proving that no security vulnerabilities exist is hard.</a:t>
             </a:r>
           </a:p>
           <a:p>
